--- a/2017-workshops/2-collect-and-document-data/data-collection.pptx
+++ b/2017-workshops/2-collect-and-document-data/data-collection.pptx
@@ -573,6 +573,18 @@
               <a:t>- Bonus: Understand data validation.</a:t>
             </a:r>
           </a:p>
+          <a:p>
+            <a:pPr/>
+          </a:p>
+          <a:p>
+            <a:pPr/>
+          </a:p>
+          <a:p>
+            <a:pPr/>
+            <a:r>
+              <a:t>You’ll need a computer today.</a:t>
+            </a:r>
+          </a:p>
         </p:txBody>
       </p:sp>
     </p:spTree>
@@ -700,15 +712,6 @@
               <a:t>Cells contain data (values) for each variable in a given observation.</a:t>
             </a:r>
           </a:p>
-          <a:p>
-            <a:pPr/>
-          </a:p>
-          <a:p>
-            <a:pPr/>
-            <a:r>
-              <a:t>Can you think of an example?</a:t>
-            </a:r>
-          </a:p>
         </p:txBody>
       </p:sp>
     </p:spTree>
@@ -801,6 +804,54 @@
             <a:pPr/>
           </a:p>
           <a:p>
+            <a:pPr marL="180473" indent="-180473">
+              <a:buSzPct val="100000"/>
+              <a:buChar char="•"/>
+            </a:pPr>
+            <a:r>
+              <a:t>Open refine: tool for working with messy data. originally developed at google and now open source</a:t>
+            </a:r>
+          </a:p>
+          <a:p>
+            <a:pPr marL="180473" indent="-180473">
+              <a:buSzPct val="100000"/>
+              <a:buChar char="•"/>
+            </a:pPr>
+            <a:r>
+              <a:t>R: is a free software environment for statistical computing and graphics and a popular programming language for doing stats.</a:t>
+            </a:r>
+          </a:p>
+          <a:p>
+            <a:pPr marL="180473" indent="-180473">
+              <a:buSzPct val="100000"/>
+              <a:buChar char="•"/>
+            </a:pPr>
+            <a:r>
+              <a:t>Python: is a programming language often used for data analysis.</a:t>
+            </a:r>
+          </a:p>
+          <a:p>
+            <a:pPr marL="180473" indent="-180473">
+              <a:buSzPct val="100000"/>
+              <a:buChar char="•"/>
+            </a:pPr>
+            <a:r>
+              <a:t>SPSS: Statistics is a software package used for statistical analysis, now belongs to IBM. It’s widely used in social science. Many features are accessible via pull-down menus or can be programmed with a proprietary command language.</a:t>
+            </a:r>
+          </a:p>
+          <a:p>
+            <a:pPr marL="180473" indent="-180473">
+              <a:buSzPct val="100000"/>
+              <a:buChar char="•"/>
+            </a:pPr>
+            <a:r>
+              <a:t>SAS is a software suite to perform statistical analysis and includes the SAS language is a computer programming language used for statistical analysis. SAS provides a graphical point-and-click user interface for non-technical users and more advanced options through the SAS language</a:t>
+            </a:r>
+          </a:p>
+          <a:p>
+            <a:pPr/>
+          </a:p>
+          <a:p>
             <a:pPr/>
             <a:r>
               <a:t>To use them effectively, you’ll need to start with valid tabular data.</a:t>
@@ -814,6 +865,15 @@
             <a:r>
               <a:t>We'll focus on good practices for arranging digital data in a tabular structure during your data entry, and then discuss specific digital file formats and software for working with tabular data during data entry. </a:t>
             </a:r>
+          </a:p>
+          <a:p>
+            <a:pPr/>
+          </a:p>
+          <a:p>
+            <a:pPr/>
+          </a:p>
+          <a:p>
+            <a:pPr/>
           </a:p>
         </p:txBody>
       </p:sp>
@@ -1643,27 +1703,6 @@
               <a:t>- Easy to enter and manipulate data programmatically.</a:t>
             </a:r>
           </a:p>
-          <a:p>
-            <a:pPr/>
-            <a:r>
-              <a:t>- Software-agnostic file format:</a:t>
-            </a:r>
-          </a:p>
-          <a:p>
-            <a:pPr/>
-            <a:r>
-              <a:t>	- Accessible to text editing software, spreadsheet software, and statistical programming environments.</a:t>
-            </a:r>
-          </a:p>
-          <a:p>
-            <a:pPr/>
-          </a:p>
-          <a:p>
-            <a:pPr/>
-            <a:r>
-              <a:t>*Live walk through of data entry into TextMate text editing software and saving to a CSV file format*</a:t>
-            </a:r>
-          </a:p>
         </p:txBody>
       </p:sp>
     </p:spTree>
@@ -3009,7 +3048,7 @@
           <a:p>
             <a:pPr/>
             <a:r>
-              <a:t>Some data may be more easily reproduced than others.</a:t>
+              <a:t>Data from some sources may be more easily reproduced than others.</a:t>
             </a:r>
           </a:p>
           <a:p>
@@ -3242,11 +3281,14 @@
           <a:p>
             <a:pPr/>
             <a:r>
-              <a:t>Observational, Experimental, and Simulation data might include numeric outputs, textual data, images, sound recordings, or video saved as digital files from </a:t>
-            </a:r>
-          </a:p>
-          <a:p>
-            <a:pPr/>
+              <a:t>Observational, Experimental, and Simulation data might include numeric outputs, textual data, images, sound recordings, or video saved as digital files </a:t>
+            </a:r>
+          </a:p>
+          <a:p>
+            <a:pPr/>
+            <a:r>
+              <a:t>from:</a:t>
+            </a:r>
           </a:p>
           <a:p>
             <a:pPr marL="180473" indent="-180473">
@@ -3429,7 +3471,7 @@
           <a:p>
             <a:pPr/>
             <a:r>
-              <a:t>For manual entry:</a:t>
+              <a:t>For manual entry especially:</a:t>
             </a:r>
           </a:p>
           <a:p>

--- a/2017-workshops/2-collect-and-document-data/data-collection.pptx
+++ b/2017-workshops/2-collect-and-document-data/data-collection.pptx
@@ -2433,7 +2433,7 @@
           <a:p>
             <a:pPr/>
             <a:r>
-              <a:t>	- MySQL</a:t>
+              <a:t>	- MySQL: more robust free database software, that allows multiple users.</a:t>
             </a:r>
           </a:p>
           <a:p>
@@ -2451,7 +2451,7 @@
           <a:p>
             <a:pPr/>
             <a:r>
-              <a:t>	- Microsoft Access</a:t>
+              <a:t>	- Microsoft Access: personal database you can run on your computer to learn.</a:t>
             </a:r>
           </a:p>
           <a:p>
@@ -8814,8 +8814,11 @@
           <a:bodyPr/>
           <a:lstStyle/>
           <a:p>
-            <a:pPr marL="457200" indent="-317500">
-              <a:defRPr sz="1400"/>
+            <a:pPr marL="452627" indent="-314325" defTabSz="905255">
+              <a:spcBef>
+                <a:spcPts val="1500"/>
+              </a:spcBef>
+              <a:defRPr sz="1386"/>
             </a:pPr>
             <a:r>
               <a:t>Data Carpentry. "Data Organization in Spreadsheets" [Website](</a:t>
@@ -8839,8 +8842,11 @@
             </a:r>
           </a:p>
           <a:p>
-            <a:pPr marL="457200" indent="-317500">
-              <a:defRPr sz="1400"/>
+            <a:pPr marL="452627" indent="-314325" defTabSz="905255">
+              <a:spcBef>
+                <a:spcPts val="1500"/>
+              </a:spcBef>
+              <a:defRPr sz="1386"/>
             </a:pPr>
             <a:r>
               <a:t>Cornell University. “Preparing tabular data for description and archiving” [Website](</a:t>
@@ -8864,8 +8870,11 @@
             </a:r>
           </a:p>
           <a:p>
-            <a:pPr marL="457200" indent="-317500">
-              <a:defRPr sz="1400"/>
+            <a:pPr marL="452627" indent="-314325" defTabSz="905255">
+              <a:spcBef>
+                <a:spcPts val="1500"/>
+              </a:spcBef>
+              <a:defRPr sz="1386"/>
             </a:pPr>
             <a:r>
               <a:t>DataONE. "Data entry and manipulation" [Website](</a:t>
@@ -8889,8 +8898,11 @@
             </a:r>
           </a:p>
           <a:p>
-            <a:pPr marL="457200" indent="-317500">
-              <a:defRPr sz="1400"/>
+            <a:pPr marL="452627" indent="-314325" defTabSz="905255">
+              <a:spcBef>
+                <a:spcPts val="1500"/>
+              </a:spcBef>
+              <a:defRPr sz="1386"/>
             </a:pPr>
             <a:r>
               <a:t>DMPTool. "Data Management General Guidance" [Website](</a:t>
@@ -8914,11 +8926,14 @@
             </a:r>
           </a:p>
           <a:p>
-            <a:pPr marL="457200" indent="-317500">
-              <a:defRPr sz="1400"/>
+            <a:pPr marL="452627" indent="-314325" defTabSz="905255">
+              <a:spcBef>
+                <a:spcPts val="1500"/>
+              </a:spcBef>
+              <a:defRPr sz="1386"/>
             </a:pPr>
             <a:r>
-              <a:t>Wickham, Hadley. 2014. Tidy Data. Journal of Statistical Software, 59:10 [Article](</a:t>
+              <a:t>Litwin, Paul. “Fundamentals of Relational Database Design” [Website](</a:t>
             </a:r>
             <a:r>
               <a:rPr u="sng">
@@ -8932,7 +8947,21 @@
                 </a:uFill>
                 <a:hlinkClick r:id="rId6" invalidUrl="" action="" tgtFrame="" tooltip="" history="1" highlightClick="0" endSnd="0"/>
               </a:rPr>
-              <a:t>https://doi.org/</a:t>
+              <a:t>http://r937.com/relational.html</a:t>
+            </a:r>
+            <a:r>
+              <a:t>)</a:t>
+            </a:r>
+          </a:p>
+          <a:p>
+            <a:pPr marL="452627" indent="-314325" defTabSz="905255">
+              <a:spcBef>
+                <a:spcPts val="1500"/>
+              </a:spcBef>
+              <a:defRPr sz="1386"/>
+            </a:pPr>
+            <a:r>
+              <a:t>Wickham, Hadley. 2014. Tidy Data. Journal of Statistical Software, 59:10 [Article](</a:t>
             </a:r>
             <a:r>
               <a:rPr u="sng">
@@ -8944,7 +8973,21 @@
                     <a:schemeClr val="accent5"/>
                   </a:solidFill>
                 </a:uFill>
-                <a:hlinkClick r:id="rId6" invalidUrl="" action="" tgtFrame="" tooltip="" history="1" highlightClick="0" endSnd="0"/>
+                <a:hlinkClick r:id="rId7" invalidUrl="" action="" tgtFrame="" tooltip="" history="1" highlightClick="0" endSnd="0"/>
+              </a:rPr>
+              <a:t>https://doi.org/</a:t>
+            </a:r>
+            <a:r>
+              <a:rPr u="sng">
+                <a:solidFill>
+                  <a:schemeClr val="accent5"/>
+                </a:solidFill>
+                <a:uFill>
+                  <a:solidFill>
+                    <a:schemeClr val="accent5"/>
+                  </a:solidFill>
+                </a:uFill>
+                <a:hlinkClick r:id="rId7" invalidUrl="" action="" tgtFrame="" tooltip="" history="1" highlightClick="0" endSnd="0"/>
               </a:rPr>
               <a:t>10.18637/jss.v059.i10</a:t>
             </a:r>
